--- a/Lecture-12.pptx
+++ b/Lecture-12.pptx
@@ -25,11 +25,6 @@
     <p:sldId id="273" r:id="rId19"/>
     <p:sldId id="274" r:id="rId20"/>
     <p:sldId id="275" r:id="rId21"/>
-    <p:sldId id="276" r:id="rId22"/>
-    <p:sldId id="277" r:id="rId23"/>
-    <p:sldId id="278" r:id="rId24"/>
-    <p:sldId id="279" r:id="rId25"/>
-    <p:sldId id="280" r:id="rId26"/>
   </p:sldIdLst>
   <p:sldSz cx="12192000" cy="6858000"/>
   <p:notesSz cx="6858000" cy="9144000"/>
@@ -128,6 +123,11 @@
       </a:defRPr>
     </a:lvl9pPr>
   </p:defaultTextStyle>
+  <p:extLst>
+    <p:ext uri="{EFAFB233-063F-42B5-8137-9DF3F51BA10A}">
+      <p15:sldGuideLst xmlns:p15="http://schemas.microsoft.com/office/powerpoint/2012/main"/>
+    </p:ext>
+  </p:extLst>
 </p:presentation>
 </file>
 
@@ -262,7 +262,7 @@
           <a:p>
             <a:fld id="{1F6D2CF1-263C-4A61-A7D1-938DC854A90A}" type="datetimeFigureOut">
               <a:rPr lang="en-US" smtClean="0"/>
-              <a:t>5/6/2024</a:t>
+              <a:t>5/12/2024</a:t>
             </a:fld>
             <a:endParaRPr lang="en-US"/>
           </a:p>
@@ -432,7 +432,7 @@
           <a:p>
             <a:fld id="{1F6D2CF1-263C-4A61-A7D1-938DC854A90A}" type="datetimeFigureOut">
               <a:rPr lang="en-US" smtClean="0"/>
-              <a:t>5/6/2024</a:t>
+              <a:t>5/12/2024</a:t>
             </a:fld>
             <a:endParaRPr lang="en-US"/>
           </a:p>
@@ -612,7 +612,7 @@
           <a:p>
             <a:fld id="{1F6D2CF1-263C-4A61-A7D1-938DC854A90A}" type="datetimeFigureOut">
               <a:rPr lang="en-US" smtClean="0"/>
-              <a:t>5/6/2024</a:t>
+              <a:t>5/12/2024</a:t>
             </a:fld>
             <a:endParaRPr lang="en-US"/>
           </a:p>
@@ -782,7 +782,7 @@
           <a:p>
             <a:fld id="{1F6D2CF1-263C-4A61-A7D1-938DC854A90A}" type="datetimeFigureOut">
               <a:rPr lang="en-US" smtClean="0"/>
-              <a:t>5/6/2024</a:t>
+              <a:t>5/12/2024</a:t>
             </a:fld>
             <a:endParaRPr lang="en-US"/>
           </a:p>
@@ -1028,7 +1028,7 @@
           <a:p>
             <a:fld id="{1F6D2CF1-263C-4A61-A7D1-938DC854A90A}" type="datetimeFigureOut">
               <a:rPr lang="en-US" smtClean="0"/>
-              <a:t>5/6/2024</a:t>
+              <a:t>5/12/2024</a:t>
             </a:fld>
             <a:endParaRPr lang="en-US"/>
           </a:p>
@@ -1260,7 +1260,7 @@
           <a:p>
             <a:fld id="{1F6D2CF1-263C-4A61-A7D1-938DC854A90A}" type="datetimeFigureOut">
               <a:rPr lang="en-US" smtClean="0"/>
-              <a:t>5/6/2024</a:t>
+              <a:t>5/12/2024</a:t>
             </a:fld>
             <a:endParaRPr lang="en-US"/>
           </a:p>
@@ -1627,7 +1627,7 @@
           <a:p>
             <a:fld id="{1F6D2CF1-263C-4A61-A7D1-938DC854A90A}" type="datetimeFigureOut">
               <a:rPr lang="en-US" smtClean="0"/>
-              <a:t>5/6/2024</a:t>
+              <a:t>5/12/2024</a:t>
             </a:fld>
             <a:endParaRPr lang="en-US"/>
           </a:p>
@@ -1745,7 +1745,7 @@
           <a:p>
             <a:fld id="{1F6D2CF1-263C-4A61-A7D1-938DC854A90A}" type="datetimeFigureOut">
               <a:rPr lang="en-US" smtClean="0"/>
-              <a:t>5/6/2024</a:t>
+              <a:t>5/12/2024</a:t>
             </a:fld>
             <a:endParaRPr lang="en-US"/>
           </a:p>
@@ -1840,7 +1840,7 @@
           <a:p>
             <a:fld id="{1F6D2CF1-263C-4A61-A7D1-938DC854A90A}" type="datetimeFigureOut">
               <a:rPr lang="en-US" smtClean="0"/>
-              <a:t>5/6/2024</a:t>
+              <a:t>5/12/2024</a:t>
             </a:fld>
             <a:endParaRPr lang="en-US"/>
           </a:p>
@@ -2117,7 +2117,7 @@
           <a:p>
             <a:fld id="{1F6D2CF1-263C-4A61-A7D1-938DC854A90A}" type="datetimeFigureOut">
               <a:rPr lang="en-US" smtClean="0"/>
-              <a:t>5/6/2024</a:t>
+              <a:t>5/12/2024</a:t>
             </a:fld>
             <a:endParaRPr lang="en-US"/>
           </a:p>
@@ -2370,7 +2370,7 @@
           <a:p>
             <a:fld id="{1F6D2CF1-263C-4A61-A7D1-938DC854A90A}" type="datetimeFigureOut">
               <a:rPr lang="en-US" smtClean="0"/>
-              <a:t>5/6/2024</a:t>
+              <a:t>5/12/2024</a:t>
             </a:fld>
             <a:endParaRPr lang="en-US"/>
           </a:p>
@@ -2583,7 +2583,7 @@
           <a:p>
             <a:fld id="{1F6D2CF1-263C-4A61-A7D1-938DC854A90A}" type="datetimeFigureOut">
               <a:rPr lang="en-US" smtClean="0"/>
-              <a:t>5/6/2024</a:t>
+              <a:t>5/12/2024</a:t>
             </a:fld>
             <a:endParaRPr lang="en-US"/>
           </a:p>
@@ -5341,7 +5341,6 @@
               <a:rPr lang="en-US" sz="2800" dirty="0"/>
               <a:t>instructions are executed simultaneously, they will be executed sequentially in some arbitrary order.</a:t>
             </a:r>
-            <a:endParaRPr lang="en-US" sz="2800" dirty="0"/>
           </a:p>
         </p:txBody>
       </p:sp>
@@ -6166,7 +6165,6 @@
               <a:rPr lang="en-US" dirty="0"/>
               <a:t>The semantics of the Swap instruction, another atomic instruction, are, as expected, as follows:</a:t>
             </a:r>
-            <a:endParaRPr lang="en-US" dirty="0"/>
           </a:p>
         </p:txBody>
       </p:sp>
@@ -7016,2012 +7014,6 @@
 </p:sld>
 </file>
 
-<file path=ppt/slides/slide21.xml><?xml version="1.0" encoding="utf-8"?>
-<p:sld xmlns:a="http://schemas.openxmlformats.org/drawingml/2006/main" xmlns:r="http://schemas.openxmlformats.org/officeDocument/2006/relationships" xmlns:p="http://schemas.openxmlformats.org/presentationml/2006/main">
-  <p:cSld>
-    <p:spTree>
-      <p:nvGrpSpPr>
-        <p:cNvPr id="1" name=""/>
-        <p:cNvGrpSpPr/>
-        <p:nvPr/>
-      </p:nvGrpSpPr>
-      <p:grpSpPr>
-        <a:xfrm>
-          <a:off x="0" y="0"/>
-          <a:ext cx="0" cy="0"/>
-          <a:chOff x="0" y="0"/>
-          <a:chExt cx="0" cy="0"/>
-        </a:xfrm>
-      </p:grpSpPr>
-      <p:sp>
-        <p:nvSpPr>
-          <p:cNvPr id="2" name="Title 1"/>
-          <p:cNvSpPr>
-            <a:spLocks noGrp="1"/>
-          </p:cNvSpPr>
-          <p:nvPr>
-            <p:ph type="title"/>
-          </p:nvPr>
-        </p:nvSpPr>
-        <p:spPr>
-          <a:xfrm>
-            <a:off x="838200" y="365125"/>
-            <a:ext cx="10515600" cy="840823"/>
-          </a:xfrm>
-        </p:spPr>
-        <p:txBody>
-          <a:bodyPr>
-            <a:normAutofit/>
-          </a:bodyPr>
-          <a:lstStyle/>
-          <a:p>
-            <a:r>
-              <a:rPr lang="en-US" dirty="0" smtClean="0">
-                <a:solidFill>
-                  <a:srgbClr val="FF0000"/>
-                </a:solidFill>
-              </a:rPr>
-              <a:t>Semaphores</a:t>
-            </a:r>
-            <a:endParaRPr lang="en-US" dirty="0">
-              <a:solidFill>
-                <a:srgbClr val="FF0000"/>
-              </a:solidFill>
-            </a:endParaRPr>
-          </a:p>
-        </p:txBody>
-      </p:sp>
-      <p:sp>
-        <p:nvSpPr>
-          <p:cNvPr id="3" name="Content Placeholder 2"/>
-          <p:cNvSpPr>
-            <a:spLocks noGrp="1"/>
-          </p:cNvSpPr>
-          <p:nvPr>
-            <p:ph idx="1"/>
-          </p:nvPr>
-        </p:nvSpPr>
-        <p:spPr>
-          <a:xfrm>
-            <a:off x="838200" y="1457740"/>
-            <a:ext cx="7560611" cy="4719224"/>
-          </a:xfrm>
-        </p:spPr>
-        <p:txBody>
-          <a:bodyPr>
-            <a:normAutofit lnSpcReduction="10000"/>
-          </a:bodyPr>
-          <a:lstStyle/>
-          <a:p>
-            <a:r>
-              <a:rPr lang="en-US" dirty="0" smtClean="0"/>
-              <a:t>Hardware solutions to synchronization problems are not easy to generalize to more complex problems. </a:t>
-            </a:r>
-          </a:p>
-          <a:p>
-            <a:r>
-              <a:rPr lang="en-US" dirty="0" smtClean="0"/>
-              <a:t>To overcome this difficulty we can use a synchronization tool called a semaphore. </a:t>
-            </a:r>
-          </a:p>
-          <a:p>
-            <a:r>
-              <a:rPr lang="en-US" dirty="0" smtClean="0"/>
-              <a:t>A semaphore S is an integer variable that, apart from initialization is accessible only through two standard atomic operations: wait and signal. </a:t>
-            </a:r>
-          </a:p>
-          <a:p>
-            <a:r>
-              <a:rPr lang="en-US" dirty="0" smtClean="0"/>
-              <a:t>These operations were originally termed P (for wait) and V (for signal). </a:t>
-            </a:r>
-          </a:p>
-          <a:p>
-            <a:r>
-              <a:rPr lang="en-US" dirty="0" smtClean="0"/>
-              <a:t>The classical definitions of wait and signal are:</a:t>
-            </a:r>
-            <a:endParaRPr lang="en-US" dirty="0"/>
-          </a:p>
-        </p:txBody>
-      </p:sp>
-      <p:pic>
-        <p:nvPicPr>
-          <p:cNvPr id="4" name="Picture 3"/>
-          <p:cNvPicPr>
-            <a:picLocks noChangeAspect="1"/>
-          </p:cNvPicPr>
-          <p:nvPr/>
-        </p:nvPicPr>
-        <p:blipFill>
-          <a:blip r:embed="rId2"/>
-          <a:stretch>
-            <a:fillRect/>
-          </a:stretch>
-        </p:blipFill>
-        <p:spPr>
-          <a:xfrm>
-            <a:off x="8398811" y="1205948"/>
-            <a:ext cx="3599530" cy="3351287"/>
-          </a:xfrm>
-          <a:prstGeom prst="rect">
-            <a:avLst/>
-          </a:prstGeom>
-        </p:spPr>
-      </p:pic>
-    </p:spTree>
-    <p:extLst>
-      <p:ext uri="{BB962C8B-B14F-4D97-AF65-F5344CB8AC3E}">
-        <p14:creationId xmlns:p14="http://schemas.microsoft.com/office/powerpoint/2010/main" val="2096672279"/>
-      </p:ext>
-    </p:extLst>
-  </p:cSld>
-  <p:clrMapOvr>
-    <a:masterClrMapping/>
-  </p:clrMapOvr>
-  <p:timing>
-    <p:tnLst>
-      <p:par>
-        <p:cTn id="1" dur="indefinite" restart="never" nodeType="tmRoot">
-          <p:childTnLst>
-            <p:seq concurrent="1" nextAc="seek">
-              <p:cTn id="2" dur="indefinite" nodeType="mainSeq">
-                <p:childTnLst>
-                  <p:par>
-                    <p:cTn id="3" fill="hold">
-                      <p:stCondLst>
-                        <p:cond delay="indefinite"/>
-                      </p:stCondLst>
-                      <p:childTnLst>
-                        <p:par>
-                          <p:cTn id="4" fill="hold">
-                            <p:stCondLst>
-                              <p:cond delay="0"/>
-                            </p:stCondLst>
-                            <p:childTnLst>
-                              <p:par>
-                                <p:cTn id="5" presetID="1" presetClass="entr" presetSubtype="0" fill="hold" nodeType="clickEffect">
-                                  <p:stCondLst>
-                                    <p:cond delay="0"/>
-                                  </p:stCondLst>
-                                  <p:childTnLst>
-                                    <p:set>
-                                      <p:cBhvr>
-                                        <p:cTn id="6" dur="1" fill="hold">
-                                          <p:stCondLst>
-                                            <p:cond delay="0"/>
-                                          </p:stCondLst>
-                                        </p:cTn>
-                                        <p:tgtEl>
-                                          <p:spTgt spid="3">
-                                            <p:txEl>
-                                              <p:pRg st="0" end="0"/>
-                                            </p:txEl>
-                                          </p:spTgt>
-                                        </p:tgtEl>
-                                        <p:attrNameLst>
-                                          <p:attrName>style.visibility</p:attrName>
-                                        </p:attrNameLst>
-                                      </p:cBhvr>
-                                      <p:to>
-                                        <p:strVal val="visible"/>
-                                      </p:to>
-                                    </p:set>
-                                  </p:childTnLst>
-                                </p:cTn>
-                              </p:par>
-                            </p:childTnLst>
-                          </p:cTn>
-                        </p:par>
-                      </p:childTnLst>
-                    </p:cTn>
-                  </p:par>
-                  <p:par>
-                    <p:cTn id="7" fill="hold">
-                      <p:stCondLst>
-                        <p:cond delay="indefinite"/>
-                      </p:stCondLst>
-                      <p:childTnLst>
-                        <p:par>
-                          <p:cTn id="8" fill="hold">
-                            <p:stCondLst>
-                              <p:cond delay="0"/>
-                            </p:stCondLst>
-                            <p:childTnLst>
-                              <p:par>
-                                <p:cTn id="9" presetID="1" presetClass="entr" presetSubtype="0" fill="hold" nodeType="clickEffect">
-                                  <p:stCondLst>
-                                    <p:cond delay="0"/>
-                                  </p:stCondLst>
-                                  <p:childTnLst>
-                                    <p:set>
-                                      <p:cBhvr>
-                                        <p:cTn id="10" dur="1" fill="hold">
-                                          <p:stCondLst>
-                                            <p:cond delay="0"/>
-                                          </p:stCondLst>
-                                        </p:cTn>
-                                        <p:tgtEl>
-                                          <p:spTgt spid="3">
-                                            <p:txEl>
-                                              <p:pRg st="1" end="1"/>
-                                            </p:txEl>
-                                          </p:spTgt>
-                                        </p:tgtEl>
-                                        <p:attrNameLst>
-                                          <p:attrName>style.visibility</p:attrName>
-                                        </p:attrNameLst>
-                                      </p:cBhvr>
-                                      <p:to>
-                                        <p:strVal val="visible"/>
-                                      </p:to>
-                                    </p:set>
-                                  </p:childTnLst>
-                                </p:cTn>
-                              </p:par>
-                            </p:childTnLst>
-                          </p:cTn>
-                        </p:par>
-                      </p:childTnLst>
-                    </p:cTn>
-                  </p:par>
-                  <p:par>
-                    <p:cTn id="11" fill="hold">
-                      <p:stCondLst>
-                        <p:cond delay="indefinite"/>
-                      </p:stCondLst>
-                      <p:childTnLst>
-                        <p:par>
-                          <p:cTn id="12" fill="hold">
-                            <p:stCondLst>
-                              <p:cond delay="0"/>
-                            </p:stCondLst>
-                            <p:childTnLst>
-                              <p:par>
-                                <p:cTn id="13" presetID="1" presetClass="entr" presetSubtype="0" fill="hold" nodeType="clickEffect">
-                                  <p:stCondLst>
-                                    <p:cond delay="0"/>
-                                  </p:stCondLst>
-                                  <p:childTnLst>
-                                    <p:set>
-                                      <p:cBhvr>
-                                        <p:cTn id="14" dur="1" fill="hold">
-                                          <p:stCondLst>
-                                            <p:cond delay="0"/>
-                                          </p:stCondLst>
-                                        </p:cTn>
-                                        <p:tgtEl>
-                                          <p:spTgt spid="3">
-                                            <p:txEl>
-                                              <p:pRg st="2" end="2"/>
-                                            </p:txEl>
-                                          </p:spTgt>
-                                        </p:tgtEl>
-                                        <p:attrNameLst>
-                                          <p:attrName>style.visibility</p:attrName>
-                                        </p:attrNameLst>
-                                      </p:cBhvr>
-                                      <p:to>
-                                        <p:strVal val="visible"/>
-                                      </p:to>
-                                    </p:set>
-                                  </p:childTnLst>
-                                </p:cTn>
-                              </p:par>
-                            </p:childTnLst>
-                          </p:cTn>
-                        </p:par>
-                      </p:childTnLst>
-                    </p:cTn>
-                  </p:par>
-                  <p:par>
-                    <p:cTn id="15" fill="hold">
-                      <p:stCondLst>
-                        <p:cond delay="indefinite"/>
-                      </p:stCondLst>
-                      <p:childTnLst>
-                        <p:par>
-                          <p:cTn id="16" fill="hold">
-                            <p:stCondLst>
-                              <p:cond delay="0"/>
-                            </p:stCondLst>
-                            <p:childTnLst>
-                              <p:par>
-                                <p:cTn id="17" presetID="1" presetClass="entr" presetSubtype="0" fill="hold" nodeType="clickEffect">
-                                  <p:stCondLst>
-                                    <p:cond delay="0"/>
-                                  </p:stCondLst>
-                                  <p:childTnLst>
-                                    <p:set>
-                                      <p:cBhvr>
-                                        <p:cTn id="18" dur="1" fill="hold">
-                                          <p:stCondLst>
-                                            <p:cond delay="0"/>
-                                          </p:stCondLst>
-                                        </p:cTn>
-                                        <p:tgtEl>
-                                          <p:spTgt spid="3">
-                                            <p:txEl>
-                                              <p:pRg st="3" end="3"/>
-                                            </p:txEl>
-                                          </p:spTgt>
-                                        </p:tgtEl>
-                                        <p:attrNameLst>
-                                          <p:attrName>style.visibility</p:attrName>
-                                        </p:attrNameLst>
-                                      </p:cBhvr>
-                                      <p:to>
-                                        <p:strVal val="visible"/>
-                                      </p:to>
-                                    </p:set>
-                                  </p:childTnLst>
-                                </p:cTn>
-                              </p:par>
-                            </p:childTnLst>
-                          </p:cTn>
-                        </p:par>
-                      </p:childTnLst>
-                    </p:cTn>
-                  </p:par>
-                  <p:par>
-                    <p:cTn id="19" fill="hold">
-                      <p:stCondLst>
-                        <p:cond delay="indefinite"/>
-                      </p:stCondLst>
-                      <p:childTnLst>
-                        <p:par>
-                          <p:cTn id="20" fill="hold">
-                            <p:stCondLst>
-                              <p:cond delay="0"/>
-                            </p:stCondLst>
-                            <p:childTnLst>
-                              <p:par>
-                                <p:cTn id="21" presetID="1" presetClass="entr" presetSubtype="0" fill="hold" nodeType="clickEffect">
-                                  <p:stCondLst>
-                                    <p:cond delay="0"/>
-                                  </p:stCondLst>
-                                  <p:childTnLst>
-                                    <p:set>
-                                      <p:cBhvr>
-                                        <p:cTn id="22" dur="1" fill="hold">
-                                          <p:stCondLst>
-                                            <p:cond delay="0"/>
-                                          </p:stCondLst>
-                                        </p:cTn>
-                                        <p:tgtEl>
-                                          <p:spTgt spid="3">
-                                            <p:txEl>
-                                              <p:pRg st="4" end="4"/>
-                                            </p:txEl>
-                                          </p:spTgt>
-                                        </p:tgtEl>
-                                        <p:attrNameLst>
-                                          <p:attrName>style.visibility</p:attrName>
-                                        </p:attrNameLst>
-                                      </p:cBhvr>
-                                      <p:to>
-                                        <p:strVal val="visible"/>
-                                      </p:to>
-                                    </p:set>
-                                  </p:childTnLst>
-                                </p:cTn>
-                              </p:par>
-                            </p:childTnLst>
-                          </p:cTn>
-                        </p:par>
-                      </p:childTnLst>
-                    </p:cTn>
-                  </p:par>
-                  <p:par>
-                    <p:cTn id="23" fill="hold">
-                      <p:stCondLst>
-                        <p:cond delay="indefinite"/>
-                      </p:stCondLst>
-                      <p:childTnLst>
-                        <p:par>
-                          <p:cTn id="24" fill="hold">
-                            <p:stCondLst>
-                              <p:cond delay="0"/>
-                            </p:stCondLst>
-                            <p:childTnLst>
-                              <p:par>
-                                <p:cTn id="25" presetID="1" presetClass="entr" presetSubtype="0" fill="hold" nodeType="clickEffect">
-                                  <p:stCondLst>
-                                    <p:cond delay="0"/>
-                                  </p:stCondLst>
-                                  <p:childTnLst>
-                                    <p:set>
-                                      <p:cBhvr>
-                                        <p:cTn id="26" dur="1" fill="hold">
-                                          <p:stCondLst>
-                                            <p:cond delay="0"/>
-                                          </p:stCondLst>
-                                        </p:cTn>
-                                        <p:tgtEl>
-                                          <p:spTgt spid="4"/>
-                                        </p:tgtEl>
-                                        <p:attrNameLst>
-                                          <p:attrName>style.visibility</p:attrName>
-                                        </p:attrNameLst>
-                                      </p:cBhvr>
-                                      <p:to>
-                                        <p:strVal val="visible"/>
-                                      </p:to>
-                                    </p:set>
-                                  </p:childTnLst>
-                                </p:cTn>
-                              </p:par>
-                            </p:childTnLst>
-                          </p:cTn>
-                        </p:par>
-                      </p:childTnLst>
-                    </p:cTn>
-                  </p:par>
-                </p:childTnLst>
-              </p:cTn>
-              <p:prevCondLst>
-                <p:cond evt="onPrev" delay="0">
-                  <p:tgtEl>
-                    <p:sldTgt/>
-                  </p:tgtEl>
-                </p:cond>
-              </p:prevCondLst>
-              <p:nextCondLst>
-                <p:cond evt="onNext" delay="0">
-                  <p:tgtEl>
-                    <p:sldTgt/>
-                  </p:tgtEl>
-                </p:cond>
-              </p:nextCondLst>
-            </p:seq>
-          </p:childTnLst>
-        </p:cTn>
-      </p:par>
-    </p:tnLst>
-  </p:timing>
-</p:sld>
-</file>
-
-<file path=ppt/slides/slide22.xml><?xml version="1.0" encoding="utf-8"?>
-<p:sld xmlns:a="http://schemas.openxmlformats.org/drawingml/2006/main" xmlns:r="http://schemas.openxmlformats.org/officeDocument/2006/relationships" xmlns:p="http://schemas.openxmlformats.org/presentationml/2006/main">
-  <p:cSld>
-    <p:spTree>
-      <p:nvGrpSpPr>
-        <p:cNvPr id="1" name=""/>
-        <p:cNvGrpSpPr/>
-        <p:nvPr/>
-      </p:nvGrpSpPr>
-      <p:grpSpPr>
-        <a:xfrm>
-          <a:off x="0" y="0"/>
-          <a:ext cx="0" cy="0"/>
-          <a:chOff x="0" y="0"/>
-          <a:chExt cx="0" cy="0"/>
-        </a:xfrm>
-      </p:grpSpPr>
-      <p:sp>
-        <p:nvSpPr>
-          <p:cNvPr id="2" name="Title 1"/>
-          <p:cNvSpPr>
-            <a:spLocks noGrp="1"/>
-          </p:cNvSpPr>
-          <p:nvPr>
-            <p:ph type="title"/>
-          </p:nvPr>
-        </p:nvSpPr>
-        <p:spPr>
-          <a:xfrm>
-            <a:off x="838200" y="365125"/>
-            <a:ext cx="10515600" cy="840823"/>
-          </a:xfrm>
-        </p:spPr>
-        <p:txBody>
-          <a:bodyPr>
-            <a:normAutofit/>
-          </a:bodyPr>
-          <a:lstStyle/>
-          <a:p>
-            <a:r>
-              <a:rPr lang="en-US" dirty="0" smtClean="0">
-                <a:solidFill>
-                  <a:srgbClr val="FF0000"/>
-                </a:solidFill>
-              </a:rPr>
-              <a:t>Semaphores (continue…)</a:t>
-            </a:r>
-            <a:endParaRPr lang="en-US" dirty="0">
-              <a:solidFill>
-                <a:srgbClr val="FF0000"/>
-              </a:solidFill>
-            </a:endParaRPr>
-          </a:p>
-        </p:txBody>
-      </p:sp>
-      <p:sp>
-        <p:nvSpPr>
-          <p:cNvPr id="3" name="Content Placeholder 2"/>
-          <p:cNvSpPr>
-            <a:spLocks noGrp="1"/>
-          </p:cNvSpPr>
-          <p:nvPr>
-            <p:ph idx="1"/>
-          </p:nvPr>
-        </p:nvSpPr>
-        <p:spPr>
-          <a:xfrm>
-            <a:off x="838200" y="1457740"/>
-            <a:ext cx="7560611" cy="4719224"/>
-          </a:xfrm>
-        </p:spPr>
-        <p:txBody>
-          <a:bodyPr>
-            <a:normAutofit/>
-          </a:bodyPr>
-          <a:lstStyle/>
-          <a:p>
-            <a:r>
-              <a:rPr lang="en-US" dirty="0" smtClean="0"/>
-              <a:t>Modifications to the integer value of the semaphore in the wait and signal operations must be executed indivisibly. </a:t>
-            </a:r>
-          </a:p>
-          <a:p>
-            <a:r>
-              <a:rPr lang="en-US" dirty="0" smtClean="0"/>
-              <a:t>That is, when one process is updating the value of a semaphore, other processes cannot simultaneously modify that same semaphore value. </a:t>
-            </a:r>
-          </a:p>
-          <a:p>
-            <a:r>
-              <a:rPr lang="en-US" dirty="0" smtClean="0"/>
-              <a:t>In addition, in the case of the wait(S), the testing of the integer value of S (S&lt;=0) and its possible modification (S--) must also be executed without interruption.</a:t>
-            </a:r>
-            <a:endParaRPr lang="en-US" dirty="0"/>
-          </a:p>
-        </p:txBody>
-      </p:sp>
-      <p:pic>
-        <p:nvPicPr>
-          <p:cNvPr id="4" name="Picture 3"/>
-          <p:cNvPicPr>
-            <a:picLocks noChangeAspect="1"/>
-          </p:cNvPicPr>
-          <p:nvPr/>
-        </p:nvPicPr>
-        <p:blipFill>
-          <a:blip r:embed="rId2"/>
-          <a:stretch>
-            <a:fillRect/>
-          </a:stretch>
-        </p:blipFill>
-        <p:spPr>
-          <a:xfrm>
-            <a:off x="8398811" y="1205948"/>
-            <a:ext cx="3599530" cy="3351287"/>
-          </a:xfrm>
-          <a:prstGeom prst="rect">
-            <a:avLst/>
-          </a:prstGeom>
-        </p:spPr>
-      </p:pic>
-    </p:spTree>
-    <p:extLst>
-      <p:ext uri="{BB962C8B-B14F-4D97-AF65-F5344CB8AC3E}">
-        <p14:creationId xmlns:p14="http://schemas.microsoft.com/office/powerpoint/2010/main" val="2474617448"/>
-      </p:ext>
-    </p:extLst>
-  </p:cSld>
-  <p:clrMapOvr>
-    <a:masterClrMapping/>
-  </p:clrMapOvr>
-  <p:timing>
-    <p:tnLst>
-      <p:par>
-        <p:cTn id="1" dur="indefinite" restart="never" nodeType="tmRoot">
-          <p:childTnLst>
-            <p:seq concurrent="1" nextAc="seek">
-              <p:cTn id="2" dur="indefinite" nodeType="mainSeq">
-                <p:childTnLst>
-                  <p:par>
-                    <p:cTn id="3" fill="hold">
-                      <p:stCondLst>
-                        <p:cond delay="indefinite"/>
-                      </p:stCondLst>
-                      <p:childTnLst>
-                        <p:par>
-                          <p:cTn id="4" fill="hold">
-                            <p:stCondLst>
-                              <p:cond delay="0"/>
-                            </p:stCondLst>
-                            <p:childTnLst>
-                              <p:par>
-                                <p:cTn id="5" presetID="1" presetClass="entr" presetSubtype="0" fill="hold" nodeType="clickEffect">
-                                  <p:stCondLst>
-                                    <p:cond delay="0"/>
-                                  </p:stCondLst>
-                                  <p:childTnLst>
-                                    <p:set>
-                                      <p:cBhvr>
-                                        <p:cTn id="6" dur="1" fill="hold">
-                                          <p:stCondLst>
-                                            <p:cond delay="0"/>
-                                          </p:stCondLst>
-                                        </p:cTn>
-                                        <p:tgtEl>
-                                          <p:spTgt spid="3">
-                                            <p:txEl>
-                                              <p:pRg st="0" end="0"/>
-                                            </p:txEl>
-                                          </p:spTgt>
-                                        </p:tgtEl>
-                                        <p:attrNameLst>
-                                          <p:attrName>style.visibility</p:attrName>
-                                        </p:attrNameLst>
-                                      </p:cBhvr>
-                                      <p:to>
-                                        <p:strVal val="visible"/>
-                                      </p:to>
-                                    </p:set>
-                                  </p:childTnLst>
-                                </p:cTn>
-                              </p:par>
-                            </p:childTnLst>
-                          </p:cTn>
-                        </p:par>
-                      </p:childTnLst>
-                    </p:cTn>
-                  </p:par>
-                  <p:par>
-                    <p:cTn id="7" fill="hold">
-                      <p:stCondLst>
-                        <p:cond delay="indefinite"/>
-                      </p:stCondLst>
-                      <p:childTnLst>
-                        <p:par>
-                          <p:cTn id="8" fill="hold">
-                            <p:stCondLst>
-                              <p:cond delay="0"/>
-                            </p:stCondLst>
-                            <p:childTnLst>
-                              <p:par>
-                                <p:cTn id="9" presetID="1" presetClass="entr" presetSubtype="0" fill="hold" nodeType="clickEffect">
-                                  <p:stCondLst>
-                                    <p:cond delay="0"/>
-                                  </p:stCondLst>
-                                  <p:childTnLst>
-                                    <p:set>
-                                      <p:cBhvr>
-                                        <p:cTn id="10" dur="1" fill="hold">
-                                          <p:stCondLst>
-                                            <p:cond delay="0"/>
-                                          </p:stCondLst>
-                                        </p:cTn>
-                                        <p:tgtEl>
-                                          <p:spTgt spid="3">
-                                            <p:txEl>
-                                              <p:pRg st="1" end="1"/>
-                                            </p:txEl>
-                                          </p:spTgt>
-                                        </p:tgtEl>
-                                        <p:attrNameLst>
-                                          <p:attrName>style.visibility</p:attrName>
-                                        </p:attrNameLst>
-                                      </p:cBhvr>
-                                      <p:to>
-                                        <p:strVal val="visible"/>
-                                      </p:to>
-                                    </p:set>
-                                  </p:childTnLst>
-                                </p:cTn>
-                              </p:par>
-                            </p:childTnLst>
-                          </p:cTn>
-                        </p:par>
-                      </p:childTnLst>
-                    </p:cTn>
-                  </p:par>
-                  <p:par>
-                    <p:cTn id="11" fill="hold">
-                      <p:stCondLst>
-                        <p:cond delay="indefinite"/>
-                      </p:stCondLst>
-                      <p:childTnLst>
-                        <p:par>
-                          <p:cTn id="12" fill="hold">
-                            <p:stCondLst>
-                              <p:cond delay="0"/>
-                            </p:stCondLst>
-                            <p:childTnLst>
-                              <p:par>
-                                <p:cTn id="13" presetID="1" presetClass="entr" presetSubtype="0" fill="hold" nodeType="clickEffect">
-                                  <p:stCondLst>
-                                    <p:cond delay="0"/>
-                                  </p:stCondLst>
-                                  <p:childTnLst>
-                                    <p:set>
-                                      <p:cBhvr>
-                                        <p:cTn id="14" dur="1" fill="hold">
-                                          <p:stCondLst>
-                                            <p:cond delay="0"/>
-                                          </p:stCondLst>
-                                        </p:cTn>
-                                        <p:tgtEl>
-                                          <p:spTgt spid="3">
-                                            <p:txEl>
-                                              <p:pRg st="2" end="2"/>
-                                            </p:txEl>
-                                          </p:spTgt>
-                                        </p:tgtEl>
-                                        <p:attrNameLst>
-                                          <p:attrName>style.visibility</p:attrName>
-                                        </p:attrNameLst>
-                                      </p:cBhvr>
-                                      <p:to>
-                                        <p:strVal val="visible"/>
-                                      </p:to>
-                                    </p:set>
-                                  </p:childTnLst>
-                                </p:cTn>
-                              </p:par>
-                            </p:childTnLst>
-                          </p:cTn>
-                        </p:par>
-                      </p:childTnLst>
-                    </p:cTn>
-                  </p:par>
-                  <p:par>
-                    <p:cTn id="15" fill="hold">
-                      <p:stCondLst>
-                        <p:cond delay="indefinite"/>
-                      </p:stCondLst>
-                      <p:childTnLst>
-                        <p:par>
-                          <p:cTn id="16" fill="hold">
-                            <p:stCondLst>
-                              <p:cond delay="0"/>
-                            </p:stCondLst>
-                            <p:childTnLst>
-                              <p:par>
-                                <p:cTn id="17" presetID="1" presetClass="entr" presetSubtype="0" fill="hold" nodeType="clickEffect">
-                                  <p:stCondLst>
-                                    <p:cond delay="0"/>
-                                  </p:stCondLst>
-                                  <p:childTnLst>
-                                    <p:set>
-                                      <p:cBhvr>
-                                        <p:cTn id="18" dur="1" fill="hold">
-                                          <p:stCondLst>
-                                            <p:cond delay="0"/>
-                                          </p:stCondLst>
-                                        </p:cTn>
-                                        <p:tgtEl>
-                                          <p:spTgt spid="4"/>
-                                        </p:tgtEl>
-                                        <p:attrNameLst>
-                                          <p:attrName>style.visibility</p:attrName>
-                                        </p:attrNameLst>
-                                      </p:cBhvr>
-                                      <p:to>
-                                        <p:strVal val="visible"/>
-                                      </p:to>
-                                    </p:set>
-                                  </p:childTnLst>
-                                </p:cTn>
-                              </p:par>
-                            </p:childTnLst>
-                          </p:cTn>
-                        </p:par>
-                      </p:childTnLst>
-                    </p:cTn>
-                  </p:par>
-                </p:childTnLst>
-              </p:cTn>
-              <p:prevCondLst>
-                <p:cond evt="onPrev" delay="0">
-                  <p:tgtEl>
-                    <p:sldTgt/>
-                  </p:tgtEl>
-                </p:cond>
-              </p:prevCondLst>
-              <p:nextCondLst>
-                <p:cond evt="onNext" delay="0">
-                  <p:tgtEl>
-                    <p:sldTgt/>
-                  </p:tgtEl>
-                </p:cond>
-              </p:nextCondLst>
-            </p:seq>
-          </p:childTnLst>
-        </p:cTn>
-      </p:par>
-    </p:tnLst>
-  </p:timing>
-</p:sld>
-</file>
-
-<file path=ppt/slides/slide23.xml><?xml version="1.0" encoding="utf-8"?>
-<p:sld xmlns:a="http://schemas.openxmlformats.org/drawingml/2006/main" xmlns:r="http://schemas.openxmlformats.org/officeDocument/2006/relationships" xmlns:p="http://schemas.openxmlformats.org/presentationml/2006/main">
-  <p:cSld>
-    <p:spTree>
-      <p:nvGrpSpPr>
-        <p:cNvPr id="1" name=""/>
-        <p:cNvGrpSpPr/>
-        <p:nvPr/>
-      </p:nvGrpSpPr>
-      <p:grpSpPr>
-        <a:xfrm>
-          <a:off x="0" y="0"/>
-          <a:ext cx="0" cy="0"/>
-          <a:chOff x="0" y="0"/>
-          <a:chExt cx="0" cy="0"/>
-        </a:xfrm>
-      </p:grpSpPr>
-      <p:sp>
-        <p:nvSpPr>
-          <p:cNvPr id="2" name="Title 1"/>
-          <p:cNvSpPr>
-            <a:spLocks noGrp="1"/>
-          </p:cNvSpPr>
-          <p:nvPr>
-            <p:ph type="title"/>
-          </p:nvPr>
-        </p:nvSpPr>
-        <p:spPr>
-          <a:xfrm>
-            <a:off x="838200" y="365125"/>
-            <a:ext cx="10515600" cy="840823"/>
-          </a:xfrm>
-        </p:spPr>
-        <p:txBody>
-          <a:bodyPr>
-            <a:normAutofit/>
-          </a:bodyPr>
-          <a:lstStyle/>
-          <a:p>
-            <a:r>
-              <a:rPr lang="en-US" dirty="0" smtClean="0">
-                <a:solidFill>
-                  <a:srgbClr val="FF0000"/>
-                </a:solidFill>
-              </a:rPr>
-              <a:t>Semaphores (continue…)</a:t>
-            </a:r>
-            <a:endParaRPr lang="en-US" dirty="0">
-              <a:solidFill>
-                <a:srgbClr val="FF0000"/>
-              </a:solidFill>
-            </a:endParaRPr>
-          </a:p>
-        </p:txBody>
-      </p:sp>
-      <p:sp>
-        <p:nvSpPr>
-          <p:cNvPr id="3" name="Content Placeholder 2"/>
-          <p:cNvSpPr>
-            <a:spLocks noGrp="1"/>
-          </p:cNvSpPr>
-          <p:nvPr>
-            <p:ph idx="1"/>
-          </p:nvPr>
-        </p:nvSpPr>
-        <p:spPr>
-          <a:xfrm>
-            <a:off x="838200" y="1457740"/>
-            <a:ext cx="10823713" cy="2584173"/>
-          </a:xfrm>
-        </p:spPr>
-        <p:txBody>
-          <a:bodyPr>
-            <a:normAutofit/>
-          </a:bodyPr>
-          <a:lstStyle/>
-          <a:p>
-            <a:r>
-              <a:rPr lang="en-US" dirty="0" smtClean="0"/>
-              <a:t>We can use semaphores to deal with the n-process critical section problem. </a:t>
-            </a:r>
-          </a:p>
-          <a:p>
-            <a:r>
-              <a:rPr lang="en-US" dirty="0" smtClean="0"/>
-              <a:t>The n processes share a semaphore, </a:t>
-            </a:r>
-            <a:r>
-              <a:rPr lang="en-US" dirty="0" err="1" smtClean="0"/>
-              <a:t>mutex</a:t>
-            </a:r>
-            <a:r>
-              <a:rPr lang="en-US" dirty="0" smtClean="0"/>
-              <a:t> (standing for mutual exclusion) initialized to 1.</a:t>
-            </a:r>
-          </a:p>
-          <a:p>
-            <a:r>
-              <a:rPr lang="en-US" dirty="0" smtClean="0"/>
-              <a:t>Each process Pi is organized as follows:</a:t>
-            </a:r>
-            <a:endParaRPr lang="en-US" dirty="0"/>
-          </a:p>
-        </p:txBody>
-      </p:sp>
-      <p:pic>
-        <p:nvPicPr>
-          <p:cNvPr id="5" name="Picture 4"/>
-          <p:cNvPicPr>
-            <a:picLocks noChangeAspect="1"/>
-          </p:cNvPicPr>
-          <p:nvPr/>
-        </p:nvPicPr>
-        <p:blipFill>
-          <a:blip r:embed="rId2"/>
-          <a:stretch>
-            <a:fillRect/>
-          </a:stretch>
-        </p:blipFill>
-        <p:spPr>
-          <a:xfrm>
-            <a:off x="3931912" y="3862464"/>
-            <a:ext cx="5397617" cy="2995536"/>
-          </a:xfrm>
-          <a:prstGeom prst="rect">
-            <a:avLst/>
-          </a:prstGeom>
-        </p:spPr>
-      </p:pic>
-    </p:spTree>
-    <p:extLst>
-      <p:ext uri="{BB962C8B-B14F-4D97-AF65-F5344CB8AC3E}">
-        <p14:creationId xmlns:p14="http://schemas.microsoft.com/office/powerpoint/2010/main" val="3619663747"/>
-      </p:ext>
-    </p:extLst>
-  </p:cSld>
-  <p:clrMapOvr>
-    <a:masterClrMapping/>
-  </p:clrMapOvr>
-  <p:timing>
-    <p:tnLst>
-      <p:par>
-        <p:cTn id="1" dur="indefinite" restart="never" nodeType="tmRoot">
-          <p:childTnLst>
-            <p:seq concurrent="1" nextAc="seek">
-              <p:cTn id="2" dur="indefinite" nodeType="mainSeq">
-                <p:childTnLst>
-                  <p:par>
-                    <p:cTn id="3" fill="hold">
-                      <p:stCondLst>
-                        <p:cond delay="indefinite"/>
-                      </p:stCondLst>
-                      <p:childTnLst>
-                        <p:par>
-                          <p:cTn id="4" fill="hold">
-                            <p:stCondLst>
-                              <p:cond delay="0"/>
-                            </p:stCondLst>
-                            <p:childTnLst>
-                              <p:par>
-                                <p:cTn id="5" presetID="1" presetClass="entr" presetSubtype="0" fill="hold" nodeType="clickEffect">
-                                  <p:stCondLst>
-                                    <p:cond delay="0"/>
-                                  </p:stCondLst>
-                                  <p:childTnLst>
-                                    <p:set>
-                                      <p:cBhvr>
-                                        <p:cTn id="6" dur="1" fill="hold">
-                                          <p:stCondLst>
-                                            <p:cond delay="0"/>
-                                          </p:stCondLst>
-                                        </p:cTn>
-                                        <p:tgtEl>
-                                          <p:spTgt spid="3">
-                                            <p:txEl>
-                                              <p:pRg st="0" end="0"/>
-                                            </p:txEl>
-                                          </p:spTgt>
-                                        </p:tgtEl>
-                                        <p:attrNameLst>
-                                          <p:attrName>style.visibility</p:attrName>
-                                        </p:attrNameLst>
-                                      </p:cBhvr>
-                                      <p:to>
-                                        <p:strVal val="visible"/>
-                                      </p:to>
-                                    </p:set>
-                                  </p:childTnLst>
-                                </p:cTn>
-                              </p:par>
-                            </p:childTnLst>
-                          </p:cTn>
-                        </p:par>
-                      </p:childTnLst>
-                    </p:cTn>
-                  </p:par>
-                  <p:par>
-                    <p:cTn id="7" fill="hold">
-                      <p:stCondLst>
-                        <p:cond delay="indefinite"/>
-                      </p:stCondLst>
-                      <p:childTnLst>
-                        <p:par>
-                          <p:cTn id="8" fill="hold">
-                            <p:stCondLst>
-                              <p:cond delay="0"/>
-                            </p:stCondLst>
-                            <p:childTnLst>
-                              <p:par>
-                                <p:cTn id="9" presetID="1" presetClass="entr" presetSubtype="0" fill="hold" nodeType="clickEffect">
-                                  <p:stCondLst>
-                                    <p:cond delay="0"/>
-                                  </p:stCondLst>
-                                  <p:childTnLst>
-                                    <p:set>
-                                      <p:cBhvr>
-                                        <p:cTn id="10" dur="1" fill="hold">
-                                          <p:stCondLst>
-                                            <p:cond delay="0"/>
-                                          </p:stCondLst>
-                                        </p:cTn>
-                                        <p:tgtEl>
-                                          <p:spTgt spid="3">
-                                            <p:txEl>
-                                              <p:pRg st="1" end="1"/>
-                                            </p:txEl>
-                                          </p:spTgt>
-                                        </p:tgtEl>
-                                        <p:attrNameLst>
-                                          <p:attrName>style.visibility</p:attrName>
-                                        </p:attrNameLst>
-                                      </p:cBhvr>
-                                      <p:to>
-                                        <p:strVal val="visible"/>
-                                      </p:to>
-                                    </p:set>
-                                  </p:childTnLst>
-                                </p:cTn>
-                              </p:par>
-                            </p:childTnLst>
-                          </p:cTn>
-                        </p:par>
-                      </p:childTnLst>
-                    </p:cTn>
-                  </p:par>
-                  <p:par>
-                    <p:cTn id="11" fill="hold">
-                      <p:stCondLst>
-                        <p:cond delay="indefinite"/>
-                      </p:stCondLst>
-                      <p:childTnLst>
-                        <p:par>
-                          <p:cTn id="12" fill="hold">
-                            <p:stCondLst>
-                              <p:cond delay="0"/>
-                            </p:stCondLst>
-                            <p:childTnLst>
-                              <p:par>
-                                <p:cTn id="13" presetID="1" presetClass="entr" presetSubtype="0" fill="hold" nodeType="clickEffect">
-                                  <p:stCondLst>
-                                    <p:cond delay="0"/>
-                                  </p:stCondLst>
-                                  <p:childTnLst>
-                                    <p:set>
-                                      <p:cBhvr>
-                                        <p:cTn id="14" dur="1" fill="hold">
-                                          <p:stCondLst>
-                                            <p:cond delay="0"/>
-                                          </p:stCondLst>
-                                        </p:cTn>
-                                        <p:tgtEl>
-                                          <p:spTgt spid="3">
-                                            <p:txEl>
-                                              <p:pRg st="2" end="2"/>
-                                            </p:txEl>
-                                          </p:spTgt>
-                                        </p:tgtEl>
-                                        <p:attrNameLst>
-                                          <p:attrName>style.visibility</p:attrName>
-                                        </p:attrNameLst>
-                                      </p:cBhvr>
-                                      <p:to>
-                                        <p:strVal val="visible"/>
-                                      </p:to>
-                                    </p:set>
-                                  </p:childTnLst>
-                                </p:cTn>
-                              </p:par>
-                            </p:childTnLst>
-                          </p:cTn>
-                        </p:par>
-                      </p:childTnLst>
-                    </p:cTn>
-                  </p:par>
-                </p:childTnLst>
-              </p:cTn>
-              <p:prevCondLst>
-                <p:cond evt="onPrev" delay="0">
-                  <p:tgtEl>
-                    <p:sldTgt/>
-                  </p:tgtEl>
-                </p:cond>
-              </p:prevCondLst>
-              <p:nextCondLst>
-                <p:cond evt="onNext" delay="0">
-                  <p:tgtEl>
-                    <p:sldTgt/>
-                  </p:tgtEl>
-                </p:cond>
-              </p:nextCondLst>
-            </p:seq>
-          </p:childTnLst>
-        </p:cTn>
-      </p:par>
-    </p:tnLst>
-  </p:timing>
-</p:sld>
-</file>
-
-<file path=ppt/slides/slide24.xml><?xml version="1.0" encoding="utf-8"?>
-<p:sld xmlns:a="http://schemas.openxmlformats.org/drawingml/2006/main" xmlns:r="http://schemas.openxmlformats.org/officeDocument/2006/relationships" xmlns:p="http://schemas.openxmlformats.org/presentationml/2006/main">
-  <p:cSld>
-    <p:spTree>
-      <p:nvGrpSpPr>
-        <p:cNvPr id="1" name=""/>
-        <p:cNvGrpSpPr/>
-        <p:nvPr/>
-      </p:nvGrpSpPr>
-      <p:grpSpPr>
-        <a:xfrm>
-          <a:off x="0" y="0"/>
-          <a:ext cx="0" cy="0"/>
-          <a:chOff x="0" y="0"/>
-          <a:chExt cx="0" cy="0"/>
-        </a:xfrm>
-      </p:grpSpPr>
-      <p:sp>
-        <p:nvSpPr>
-          <p:cNvPr id="2" name="Title 1"/>
-          <p:cNvSpPr>
-            <a:spLocks noGrp="1"/>
-          </p:cNvSpPr>
-          <p:nvPr>
-            <p:ph type="title"/>
-          </p:nvPr>
-        </p:nvSpPr>
-        <p:spPr>
-          <a:xfrm>
-            <a:off x="838200" y="365125"/>
-            <a:ext cx="10515600" cy="840823"/>
-          </a:xfrm>
-        </p:spPr>
-        <p:txBody>
-          <a:bodyPr>
-            <a:normAutofit/>
-          </a:bodyPr>
-          <a:lstStyle/>
-          <a:p>
-            <a:r>
-              <a:rPr lang="en-US" dirty="0" smtClean="0">
-                <a:solidFill>
-                  <a:srgbClr val="FF0000"/>
-                </a:solidFill>
-              </a:rPr>
-              <a:t>Semaphores (continue…)</a:t>
-            </a:r>
-            <a:endParaRPr lang="en-US" dirty="0">
-              <a:solidFill>
-                <a:srgbClr val="FF0000"/>
-              </a:solidFill>
-            </a:endParaRPr>
-          </a:p>
-        </p:txBody>
-      </p:sp>
-      <p:sp>
-        <p:nvSpPr>
-          <p:cNvPr id="3" name="Content Placeholder 2"/>
-          <p:cNvSpPr>
-            <a:spLocks noGrp="1"/>
-          </p:cNvSpPr>
-          <p:nvPr>
-            <p:ph idx="1"/>
-          </p:nvPr>
-        </p:nvSpPr>
-        <p:spPr>
-          <a:xfrm>
-            <a:off x="838200" y="1457740"/>
-            <a:ext cx="10823713" cy="5062330"/>
-          </a:xfrm>
-        </p:spPr>
-        <p:txBody>
-          <a:bodyPr>
-            <a:normAutofit/>
-          </a:bodyPr>
-          <a:lstStyle/>
-          <a:p>
-            <a:r>
-              <a:rPr lang="en-US" dirty="0" smtClean="0"/>
-              <a:t>As was the case with the hardware-based solutions, this is not a good solution because even though it satisfies mutual exclusion and progress, it does not satisfy bounded wait</a:t>
-            </a:r>
-          </a:p>
-          <a:p>
-            <a:r>
-              <a:rPr lang="en-US" dirty="0" smtClean="0"/>
-              <a:t>In a </a:t>
-            </a:r>
-            <a:r>
-              <a:rPr lang="en-US" dirty="0" err="1" smtClean="0"/>
-              <a:t>uni</a:t>
-            </a:r>
-            <a:r>
-              <a:rPr lang="en-US" dirty="0" smtClean="0"/>
-              <a:t>-processor environment, to ensure atomic execution, while executing wait and signal, interrupts can be disabled. In case of a multi-processor environment, to ensure atomic execution is one can lock the data bus, or use a soft solution such as the Bakery algorithm</a:t>
-            </a:r>
-          </a:p>
-          <a:p>
-            <a:r>
-              <a:rPr lang="en-US" dirty="0" smtClean="0"/>
-              <a:t>The main disadvantage of the semaphore discussed in the previous section is that it requires busy waiting. </a:t>
-            </a:r>
-          </a:p>
-          <a:p>
-            <a:r>
-              <a:rPr lang="en-US" dirty="0" smtClean="0"/>
-              <a:t>While a process is in its critical section, any other process that tries to enter its critical section must loop continuously in the entry code. </a:t>
-            </a:r>
-            <a:endParaRPr lang="en-US" dirty="0"/>
-          </a:p>
-        </p:txBody>
-      </p:sp>
-    </p:spTree>
-    <p:extLst>
-      <p:ext uri="{BB962C8B-B14F-4D97-AF65-F5344CB8AC3E}">
-        <p14:creationId xmlns:p14="http://schemas.microsoft.com/office/powerpoint/2010/main" val="1223543246"/>
-      </p:ext>
-    </p:extLst>
-  </p:cSld>
-  <p:clrMapOvr>
-    <a:masterClrMapping/>
-  </p:clrMapOvr>
-  <p:timing>
-    <p:tnLst>
-      <p:par>
-        <p:cTn id="1" dur="indefinite" restart="never" nodeType="tmRoot">
-          <p:childTnLst>
-            <p:seq concurrent="1" nextAc="seek">
-              <p:cTn id="2" dur="indefinite" nodeType="mainSeq">
-                <p:childTnLst>
-                  <p:par>
-                    <p:cTn id="3" fill="hold">
-                      <p:stCondLst>
-                        <p:cond delay="indefinite"/>
-                      </p:stCondLst>
-                      <p:childTnLst>
-                        <p:par>
-                          <p:cTn id="4" fill="hold">
-                            <p:stCondLst>
-                              <p:cond delay="0"/>
-                            </p:stCondLst>
-                            <p:childTnLst>
-                              <p:par>
-                                <p:cTn id="5" presetID="1" presetClass="entr" presetSubtype="0" fill="hold" nodeType="clickEffect">
-                                  <p:stCondLst>
-                                    <p:cond delay="0"/>
-                                  </p:stCondLst>
-                                  <p:childTnLst>
-                                    <p:set>
-                                      <p:cBhvr>
-                                        <p:cTn id="6" dur="1" fill="hold">
-                                          <p:stCondLst>
-                                            <p:cond delay="0"/>
-                                          </p:stCondLst>
-                                        </p:cTn>
-                                        <p:tgtEl>
-                                          <p:spTgt spid="3">
-                                            <p:txEl>
-                                              <p:pRg st="0" end="0"/>
-                                            </p:txEl>
-                                          </p:spTgt>
-                                        </p:tgtEl>
-                                        <p:attrNameLst>
-                                          <p:attrName>style.visibility</p:attrName>
-                                        </p:attrNameLst>
-                                      </p:cBhvr>
-                                      <p:to>
-                                        <p:strVal val="visible"/>
-                                      </p:to>
-                                    </p:set>
-                                  </p:childTnLst>
-                                </p:cTn>
-                              </p:par>
-                            </p:childTnLst>
-                          </p:cTn>
-                        </p:par>
-                      </p:childTnLst>
-                    </p:cTn>
-                  </p:par>
-                  <p:par>
-                    <p:cTn id="7" fill="hold">
-                      <p:stCondLst>
-                        <p:cond delay="indefinite"/>
-                      </p:stCondLst>
-                      <p:childTnLst>
-                        <p:par>
-                          <p:cTn id="8" fill="hold">
-                            <p:stCondLst>
-                              <p:cond delay="0"/>
-                            </p:stCondLst>
-                            <p:childTnLst>
-                              <p:par>
-                                <p:cTn id="9" presetID="1" presetClass="entr" presetSubtype="0" fill="hold" nodeType="clickEffect">
-                                  <p:stCondLst>
-                                    <p:cond delay="0"/>
-                                  </p:stCondLst>
-                                  <p:childTnLst>
-                                    <p:set>
-                                      <p:cBhvr>
-                                        <p:cTn id="10" dur="1" fill="hold">
-                                          <p:stCondLst>
-                                            <p:cond delay="0"/>
-                                          </p:stCondLst>
-                                        </p:cTn>
-                                        <p:tgtEl>
-                                          <p:spTgt spid="3">
-                                            <p:txEl>
-                                              <p:pRg st="1" end="1"/>
-                                            </p:txEl>
-                                          </p:spTgt>
-                                        </p:tgtEl>
-                                        <p:attrNameLst>
-                                          <p:attrName>style.visibility</p:attrName>
-                                        </p:attrNameLst>
-                                      </p:cBhvr>
-                                      <p:to>
-                                        <p:strVal val="visible"/>
-                                      </p:to>
-                                    </p:set>
-                                  </p:childTnLst>
-                                </p:cTn>
-                              </p:par>
-                            </p:childTnLst>
-                          </p:cTn>
-                        </p:par>
-                      </p:childTnLst>
-                    </p:cTn>
-                  </p:par>
-                  <p:par>
-                    <p:cTn id="11" fill="hold">
-                      <p:stCondLst>
-                        <p:cond delay="indefinite"/>
-                      </p:stCondLst>
-                      <p:childTnLst>
-                        <p:par>
-                          <p:cTn id="12" fill="hold">
-                            <p:stCondLst>
-                              <p:cond delay="0"/>
-                            </p:stCondLst>
-                            <p:childTnLst>
-                              <p:par>
-                                <p:cTn id="13" presetID="1" presetClass="entr" presetSubtype="0" fill="hold" nodeType="clickEffect">
-                                  <p:stCondLst>
-                                    <p:cond delay="0"/>
-                                  </p:stCondLst>
-                                  <p:childTnLst>
-                                    <p:set>
-                                      <p:cBhvr>
-                                        <p:cTn id="14" dur="1" fill="hold">
-                                          <p:stCondLst>
-                                            <p:cond delay="0"/>
-                                          </p:stCondLst>
-                                        </p:cTn>
-                                        <p:tgtEl>
-                                          <p:spTgt spid="3">
-                                            <p:txEl>
-                                              <p:pRg st="2" end="2"/>
-                                            </p:txEl>
-                                          </p:spTgt>
-                                        </p:tgtEl>
-                                        <p:attrNameLst>
-                                          <p:attrName>style.visibility</p:attrName>
-                                        </p:attrNameLst>
-                                      </p:cBhvr>
-                                      <p:to>
-                                        <p:strVal val="visible"/>
-                                      </p:to>
-                                    </p:set>
-                                  </p:childTnLst>
-                                </p:cTn>
-                              </p:par>
-                            </p:childTnLst>
-                          </p:cTn>
-                        </p:par>
-                      </p:childTnLst>
-                    </p:cTn>
-                  </p:par>
-                  <p:par>
-                    <p:cTn id="15" fill="hold">
-                      <p:stCondLst>
-                        <p:cond delay="indefinite"/>
-                      </p:stCondLst>
-                      <p:childTnLst>
-                        <p:par>
-                          <p:cTn id="16" fill="hold">
-                            <p:stCondLst>
-                              <p:cond delay="0"/>
-                            </p:stCondLst>
-                            <p:childTnLst>
-                              <p:par>
-                                <p:cTn id="17" presetID="1" presetClass="entr" presetSubtype="0" fill="hold" nodeType="clickEffect">
-                                  <p:stCondLst>
-                                    <p:cond delay="0"/>
-                                  </p:stCondLst>
-                                  <p:childTnLst>
-                                    <p:set>
-                                      <p:cBhvr>
-                                        <p:cTn id="18" dur="1" fill="hold">
-                                          <p:stCondLst>
-                                            <p:cond delay="0"/>
-                                          </p:stCondLst>
-                                        </p:cTn>
-                                        <p:tgtEl>
-                                          <p:spTgt spid="3">
-                                            <p:txEl>
-                                              <p:pRg st="3" end="3"/>
-                                            </p:txEl>
-                                          </p:spTgt>
-                                        </p:tgtEl>
-                                        <p:attrNameLst>
-                                          <p:attrName>style.visibility</p:attrName>
-                                        </p:attrNameLst>
-                                      </p:cBhvr>
-                                      <p:to>
-                                        <p:strVal val="visible"/>
-                                      </p:to>
-                                    </p:set>
-                                  </p:childTnLst>
-                                </p:cTn>
-                              </p:par>
-                            </p:childTnLst>
-                          </p:cTn>
-                        </p:par>
-                      </p:childTnLst>
-                    </p:cTn>
-                  </p:par>
-                </p:childTnLst>
-              </p:cTn>
-              <p:prevCondLst>
-                <p:cond evt="onPrev" delay="0">
-                  <p:tgtEl>
-                    <p:sldTgt/>
-                  </p:tgtEl>
-                </p:cond>
-              </p:prevCondLst>
-              <p:nextCondLst>
-                <p:cond evt="onNext" delay="0">
-                  <p:tgtEl>
-                    <p:sldTgt/>
-                  </p:tgtEl>
-                </p:cond>
-              </p:nextCondLst>
-            </p:seq>
-          </p:childTnLst>
-        </p:cTn>
-      </p:par>
-    </p:tnLst>
-  </p:timing>
-</p:sld>
-</file>
-
-<file path=ppt/slides/slide25.xml><?xml version="1.0" encoding="utf-8"?>
-<p:sld xmlns:a="http://schemas.openxmlformats.org/drawingml/2006/main" xmlns:r="http://schemas.openxmlformats.org/officeDocument/2006/relationships" xmlns:p="http://schemas.openxmlformats.org/presentationml/2006/main">
-  <p:cSld>
-    <p:spTree>
-      <p:nvGrpSpPr>
-        <p:cNvPr id="1" name=""/>
-        <p:cNvGrpSpPr/>
-        <p:nvPr/>
-      </p:nvGrpSpPr>
-      <p:grpSpPr>
-        <a:xfrm>
-          <a:off x="0" y="0"/>
-          <a:ext cx="0" cy="0"/>
-          <a:chOff x="0" y="0"/>
-          <a:chExt cx="0" cy="0"/>
-        </a:xfrm>
-      </p:grpSpPr>
-      <p:sp>
-        <p:nvSpPr>
-          <p:cNvPr id="2" name="Title 1"/>
-          <p:cNvSpPr>
-            <a:spLocks noGrp="1"/>
-          </p:cNvSpPr>
-          <p:nvPr>
-            <p:ph type="title"/>
-          </p:nvPr>
-        </p:nvSpPr>
-        <p:spPr>
-          <a:xfrm>
-            <a:off x="838200" y="365125"/>
-            <a:ext cx="10515600" cy="840823"/>
-          </a:xfrm>
-        </p:spPr>
-        <p:txBody>
-          <a:bodyPr>
-            <a:normAutofit/>
-          </a:bodyPr>
-          <a:lstStyle/>
-          <a:p>
-            <a:r>
-              <a:rPr lang="en-US" dirty="0" smtClean="0">
-                <a:solidFill>
-                  <a:srgbClr val="FF0000"/>
-                </a:solidFill>
-              </a:rPr>
-              <a:t>Semaphores (continue…)</a:t>
-            </a:r>
-            <a:endParaRPr lang="en-US" dirty="0">
-              <a:solidFill>
-                <a:srgbClr val="FF0000"/>
-              </a:solidFill>
-            </a:endParaRPr>
-          </a:p>
-        </p:txBody>
-      </p:sp>
-      <p:sp>
-        <p:nvSpPr>
-          <p:cNvPr id="3" name="Content Placeholder 2"/>
-          <p:cNvSpPr>
-            <a:spLocks noGrp="1"/>
-          </p:cNvSpPr>
-          <p:nvPr>
-            <p:ph idx="1"/>
-          </p:nvPr>
-        </p:nvSpPr>
-        <p:spPr>
-          <a:xfrm>
-            <a:off x="838200" y="1457740"/>
-            <a:ext cx="10823713" cy="5062330"/>
-          </a:xfrm>
-        </p:spPr>
-        <p:txBody>
-          <a:bodyPr>
-            <a:normAutofit fontScale="92500" lnSpcReduction="20000"/>
-          </a:bodyPr>
-          <a:lstStyle/>
-          <a:p>
-            <a:r>
-              <a:rPr lang="en-US" dirty="0" smtClean="0"/>
-              <a:t>This continual looping is clearly a problem in a real multiprogramming system, where a single CPU is shared among many processes. </a:t>
-            </a:r>
-          </a:p>
-          <a:p>
-            <a:r>
-              <a:rPr lang="en-US" dirty="0" smtClean="0"/>
-              <a:t>Busy waiting wastes CPU cycles that some other process may be able to use productively. </a:t>
-            </a:r>
-          </a:p>
-          <a:p>
-            <a:r>
-              <a:rPr lang="en-US" dirty="0" smtClean="0"/>
-              <a:t>This type of semaphore is also called a spinlock (because the process spins while waiting for the lock). </a:t>
-            </a:r>
-          </a:p>
-          <a:p>
-            <a:r>
-              <a:rPr lang="en-US" dirty="0" smtClean="0"/>
-              <a:t>Spinlocks are useful in multiprocessor systems. </a:t>
-            </a:r>
-          </a:p>
-          <a:p>
-            <a:r>
-              <a:rPr lang="en-US" dirty="0" smtClean="0"/>
-              <a:t>The advantage of a spinlock is that no context switch is required when a process must wait on a lock, and a context switch may take considerable time. </a:t>
-            </a:r>
-          </a:p>
-          <a:p>
-            <a:r>
-              <a:rPr lang="en-US" dirty="0" smtClean="0"/>
-              <a:t>This is, spinlocks are useful when they are expected to be held for short times. </a:t>
-            </a:r>
-          </a:p>
-          <a:p>
-            <a:r>
-              <a:rPr lang="en-US" dirty="0" smtClean="0"/>
-              <a:t>The definition of semaphore should be modified to eliminate busy waiting. </a:t>
-            </a:r>
-            <a:r>
-              <a:rPr lang="en-US" smtClean="0"/>
-              <a:t>We </a:t>
-            </a:r>
-            <a:r>
-              <a:rPr lang="en-US" dirty="0" smtClean="0"/>
-              <a:t>will discuss the modified definition of semaphore in the next lecture.</a:t>
-            </a:r>
-            <a:endParaRPr lang="en-US" dirty="0"/>
-          </a:p>
-        </p:txBody>
-      </p:sp>
-    </p:spTree>
-    <p:extLst>
-      <p:ext uri="{BB962C8B-B14F-4D97-AF65-F5344CB8AC3E}">
-        <p14:creationId xmlns:p14="http://schemas.microsoft.com/office/powerpoint/2010/main" val="1704738924"/>
-      </p:ext>
-    </p:extLst>
-  </p:cSld>
-  <p:clrMapOvr>
-    <a:masterClrMapping/>
-  </p:clrMapOvr>
-  <p:timing>
-    <p:tnLst>
-      <p:par>
-        <p:cTn id="1" dur="indefinite" restart="never" nodeType="tmRoot">
-          <p:childTnLst>
-            <p:seq concurrent="1" nextAc="seek">
-              <p:cTn id="2" dur="indefinite" nodeType="mainSeq">
-                <p:childTnLst>
-                  <p:par>
-                    <p:cTn id="3" fill="hold">
-                      <p:stCondLst>
-                        <p:cond delay="indefinite"/>
-                      </p:stCondLst>
-                      <p:childTnLst>
-                        <p:par>
-                          <p:cTn id="4" fill="hold">
-                            <p:stCondLst>
-                              <p:cond delay="0"/>
-                            </p:stCondLst>
-                            <p:childTnLst>
-                              <p:par>
-                                <p:cTn id="5" presetID="1" presetClass="entr" presetSubtype="0" fill="hold" nodeType="clickEffect">
-                                  <p:stCondLst>
-                                    <p:cond delay="0"/>
-                                  </p:stCondLst>
-                                  <p:childTnLst>
-                                    <p:set>
-                                      <p:cBhvr>
-                                        <p:cTn id="6" dur="1" fill="hold">
-                                          <p:stCondLst>
-                                            <p:cond delay="0"/>
-                                          </p:stCondLst>
-                                        </p:cTn>
-                                        <p:tgtEl>
-                                          <p:spTgt spid="3">
-                                            <p:txEl>
-                                              <p:pRg st="0" end="0"/>
-                                            </p:txEl>
-                                          </p:spTgt>
-                                        </p:tgtEl>
-                                        <p:attrNameLst>
-                                          <p:attrName>style.visibility</p:attrName>
-                                        </p:attrNameLst>
-                                      </p:cBhvr>
-                                      <p:to>
-                                        <p:strVal val="visible"/>
-                                      </p:to>
-                                    </p:set>
-                                  </p:childTnLst>
-                                </p:cTn>
-                              </p:par>
-                            </p:childTnLst>
-                          </p:cTn>
-                        </p:par>
-                      </p:childTnLst>
-                    </p:cTn>
-                  </p:par>
-                  <p:par>
-                    <p:cTn id="7" fill="hold">
-                      <p:stCondLst>
-                        <p:cond delay="indefinite"/>
-                      </p:stCondLst>
-                      <p:childTnLst>
-                        <p:par>
-                          <p:cTn id="8" fill="hold">
-                            <p:stCondLst>
-                              <p:cond delay="0"/>
-                            </p:stCondLst>
-                            <p:childTnLst>
-                              <p:par>
-                                <p:cTn id="9" presetID="1" presetClass="entr" presetSubtype="0" fill="hold" nodeType="clickEffect">
-                                  <p:stCondLst>
-                                    <p:cond delay="0"/>
-                                  </p:stCondLst>
-                                  <p:childTnLst>
-                                    <p:set>
-                                      <p:cBhvr>
-                                        <p:cTn id="10" dur="1" fill="hold">
-                                          <p:stCondLst>
-                                            <p:cond delay="0"/>
-                                          </p:stCondLst>
-                                        </p:cTn>
-                                        <p:tgtEl>
-                                          <p:spTgt spid="3">
-                                            <p:txEl>
-                                              <p:pRg st="1" end="1"/>
-                                            </p:txEl>
-                                          </p:spTgt>
-                                        </p:tgtEl>
-                                        <p:attrNameLst>
-                                          <p:attrName>style.visibility</p:attrName>
-                                        </p:attrNameLst>
-                                      </p:cBhvr>
-                                      <p:to>
-                                        <p:strVal val="visible"/>
-                                      </p:to>
-                                    </p:set>
-                                  </p:childTnLst>
-                                </p:cTn>
-                              </p:par>
-                            </p:childTnLst>
-                          </p:cTn>
-                        </p:par>
-                      </p:childTnLst>
-                    </p:cTn>
-                  </p:par>
-                  <p:par>
-                    <p:cTn id="11" fill="hold">
-                      <p:stCondLst>
-                        <p:cond delay="indefinite"/>
-                      </p:stCondLst>
-                      <p:childTnLst>
-                        <p:par>
-                          <p:cTn id="12" fill="hold">
-                            <p:stCondLst>
-                              <p:cond delay="0"/>
-                            </p:stCondLst>
-                            <p:childTnLst>
-                              <p:par>
-                                <p:cTn id="13" presetID="1" presetClass="entr" presetSubtype="0" fill="hold" nodeType="clickEffect">
-                                  <p:stCondLst>
-                                    <p:cond delay="0"/>
-                                  </p:stCondLst>
-                                  <p:childTnLst>
-                                    <p:set>
-                                      <p:cBhvr>
-                                        <p:cTn id="14" dur="1" fill="hold">
-                                          <p:stCondLst>
-                                            <p:cond delay="0"/>
-                                          </p:stCondLst>
-                                        </p:cTn>
-                                        <p:tgtEl>
-                                          <p:spTgt spid="3">
-                                            <p:txEl>
-                                              <p:pRg st="2" end="2"/>
-                                            </p:txEl>
-                                          </p:spTgt>
-                                        </p:tgtEl>
-                                        <p:attrNameLst>
-                                          <p:attrName>style.visibility</p:attrName>
-                                        </p:attrNameLst>
-                                      </p:cBhvr>
-                                      <p:to>
-                                        <p:strVal val="visible"/>
-                                      </p:to>
-                                    </p:set>
-                                  </p:childTnLst>
-                                </p:cTn>
-                              </p:par>
-                            </p:childTnLst>
-                          </p:cTn>
-                        </p:par>
-                      </p:childTnLst>
-                    </p:cTn>
-                  </p:par>
-                  <p:par>
-                    <p:cTn id="15" fill="hold">
-                      <p:stCondLst>
-                        <p:cond delay="indefinite"/>
-                      </p:stCondLst>
-                      <p:childTnLst>
-                        <p:par>
-                          <p:cTn id="16" fill="hold">
-                            <p:stCondLst>
-                              <p:cond delay="0"/>
-                            </p:stCondLst>
-                            <p:childTnLst>
-                              <p:par>
-                                <p:cTn id="17" presetID="1" presetClass="entr" presetSubtype="0" fill="hold" nodeType="clickEffect">
-                                  <p:stCondLst>
-                                    <p:cond delay="0"/>
-                                  </p:stCondLst>
-                                  <p:childTnLst>
-                                    <p:set>
-                                      <p:cBhvr>
-                                        <p:cTn id="18" dur="1" fill="hold">
-                                          <p:stCondLst>
-                                            <p:cond delay="0"/>
-                                          </p:stCondLst>
-                                        </p:cTn>
-                                        <p:tgtEl>
-                                          <p:spTgt spid="3">
-                                            <p:txEl>
-                                              <p:pRg st="3" end="3"/>
-                                            </p:txEl>
-                                          </p:spTgt>
-                                        </p:tgtEl>
-                                        <p:attrNameLst>
-                                          <p:attrName>style.visibility</p:attrName>
-                                        </p:attrNameLst>
-                                      </p:cBhvr>
-                                      <p:to>
-                                        <p:strVal val="visible"/>
-                                      </p:to>
-                                    </p:set>
-                                  </p:childTnLst>
-                                </p:cTn>
-                              </p:par>
-                            </p:childTnLst>
-                          </p:cTn>
-                        </p:par>
-                      </p:childTnLst>
-                    </p:cTn>
-                  </p:par>
-                  <p:par>
-                    <p:cTn id="19" fill="hold">
-                      <p:stCondLst>
-                        <p:cond delay="indefinite"/>
-                      </p:stCondLst>
-                      <p:childTnLst>
-                        <p:par>
-                          <p:cTn id="20" fill="hold">
-                            <p:stCondLst>
-                              <p:cond delay="0"/>
-                            </p:stCondLst>
-                            <p:childTnLst>
-                              <p:par>
-                                <p:cTn id="21" presetID="1" presetClass="entr" presetSubtype="0" fill="hold" nodeType="clickEffect">
-                                  <p:stCondLst>
-                                    <p:cond delay="0"/>
-                                  </p:stCondLst>
-                                  <p:childTnLst>
-                                    <p:set>
-                                      <p:cBhvr>
-                                        <p:cTn id="22" dur="1" fill="hold">
-                                          <p:stCondLst>
-                                            <p:cond delay="0"/>
-                                          </p:stCondLst>
-                                        </p:cTn>
-                                        <p:tgtEl>
-                                          <p:spTgt spid="3">
-                                            <p:txEl>
-                                              <p:pRg st="4" end="4"/>
-                                            </p:txEl>
-                                          </p:spTgt>
-                                        </p:tgtEl>
-                                        <p:attrNameLst>
-                                          <p:attrName>style.visibility</p:attrName>
-                                        </p:attrNameLst>
-                                      </p:cBhvr>
-                                      <p:to>
-                                        <p:strVal val="visible"/>
-                                      </p:to>
-                                    </p:set>
-                                  </p:childTnLst>
-                                </p:cTn>
-                              </p:par>
-                            </p:childTnLst>
-                          </p:cTn>
-                        </p:par>
-                      </p:childTnLst>
-                    </p:cTn>
-                  </p:par>
-                  <p:par>
-                    <p:cTn id="23" fill="hold">
-                      <p:stCondLst>
-                        <p:cond delay="indefinite"/>
-                      </p:stCondLst>
-                      <p:childTnLst>
-                        <p:par>
-                          <p:cTn id="24" fill="hold">
-                            <p:stCondLst>
-                              <p:cond delay="0"/>
-                            </p:stCondLst>
-                            <p:childTnLst>
-                              <p:par>
-                                <p:cTn id="25" presetID="1" presetClass="entr" presetSubtype="0" fill="hold" nodeType="clickEffect">
-                                  <p:stCondLst>
-                                    <p:cond delay="0"/>
-                                  </p:stCondLst>
-                                  <p:childTnLst>
-                                    <p:set>
-                                      <p:cBhvr>
-                                        <p:cTn id="26" dur="1" fill="hold">
-                                          <p:stCondLst>
-                                            <p:cond delay="0"/>
-                                          </p:stCondLst>
-                                        </p:cTn>
-                                        <p:tgtEl>
-                                          <p:spTgt spid="3">
-                                            <p:txEl>
-                                              <p:pRg st="5" end="5"/>
-                                            </p:txEl>
-                                          </p:spTgt>
-                                        </p:tgtEl>
-                                        <p:attrNameLst>
-                                          <p:attrName>style.visibility</p:attrName>
-                                        </p:attrNameLst>
-                                      </p:cBhvr>
-                                      <p:to>
-                                        <p:strVal val="visible"/>
-                                      </p:to>
-                                    </p:set>
-                                  </p:childTnLst>
-                                </p:cTn>
-                              </p:par>
-                            </p:childTnLst>
-                          </p:cTn>
-                        </p:par>
-                      </p:childTnLst>
-                    </p:cTn>
-                  </p:par>
-                  <p:par>
-                    <p:cTn id="27" fill="hold">
-                      <p:stCondLst>
-                        <p:cond delay="indefinite"/>
-                      </p:stCondLst>
-                      <p:childTnLst>
-                        <p:par>
-                          <p:cTn id="28" fill="hold">
-                            <p:stCondLst>
-                              <p:cond delay="0"/>
-                            </p:stCondLst>
-                            <p:childTnLst>
-                              <p:par>
-                                <p:cTn id="29" presetID="1" presetClass="entr" presetSubtype="0" fill="hold" nodeType="clickEffect">
-                                  <p:stCondLst>
-                                    <p:cond delay="0"/>
-                                  </p:stCondLst>
-                                  <p:childTnLst>
-                                    <p:set>
-                                      <p:cBhvr>
-                                        <p:cTn id="30" dur="1" fill="hold">
-                                          <p:stCondLst>
-                                            <p:cond delay="0"/>
-                                          </p:stCondLst>
-                                        </p:cTn>
-                                        <p:tgtEl>
-                                          <p:spTgt spid="3">
-                                            <p:txEl>
-                                              <p:pRg st="6" end="6"/>
-                                            </p:txEl>
-                                          </p:spTgt>
-                                        </p:tgtEl>
-                                        <p:attrNameLst>
-                                          <p:attrName>style.visibility</p:attrName>
-                                        </p:attrNameLst>
-                                      </p:cBhvr>
-                                      <p:to>
-                                        <p:strVal val="visible"/>
-                                      </p:to>
-                                    </p:set>
-                                  </p:childTnLst>
-                                </p:cTn>
-                              </p:par>
-                            </p:childTnLst>
-                          </p:cTn>
-                        </p:par>
-                      </p:childTnLst>
-                    </p:cTn>
-                  </p:par>
-                </p:childTnLst>
-              </p:cTn>
-              <p:prevCondLst>
-                <p:cond evt="onPrev" delay="0">
-                  <p:tgtEl>
-                    <p:sldTgt/>
-                  </p:tgtEl>
-                </p:cond>
-              </p:prevCondLst>
-              <p:nextCondLst>
-                <p:cond evt="onNext" delay="0">
-                  <p:tgtEl>
-                    <p:sldTgt/>
-                  </p:tgtEl>
-                </p:cond>
-              </p:nextCondLst>
-            </p:seq>
-          </p:childTnLst>
-        </p:cTn>
-      </p:par>
-    </p:tnLst>
-  </p:timing>
-</p:sld>
-</file>
-
 <file path=ppt/slides/slide3.xml><?xml version="1.0" encoding="utf-8"?>
 <p:sld xmlns:a="http://schemas.openxmlformats.org/drawingml/2006/main" xmlns:r="http://schemas.openxmlformats.org/officeDocument/2006/relationships" xmlns:p="http://schemas.openxmlformats.org/presentationml/2006/main">
   <p:cSld>
@@ -9152,23 +7144,7 @@
                   <a:srgbClr val="FF0000"/>
                 </a:solidFill>
               </a:rPr>
-              <a:t>Algorithm </a:t>
-            </a:r>
-            <a:r>
-              <a:rPr lang="en-US" dirty="0" smtClean="0">
-                <a:solidFill>
-                  <a:srgbClr val="FF0000"/>
-                </a:solidFill>
-              </a:rPr>
-              <a:t>3 </a:t>
-            </a:r>
-            <a:r>
-              <a:rPr lang="en-US" dirty="0" smtClean="0">
-                <a:solidFill>
-                  <a:srgbClr val="FF0000"/>
-                </a:solidFill>
-              </a:rPr>
-              <a:t>(Continue..)</a:t>
+              <a:t>Algorithm 3 (Continue..)</a:t>
             </a:r>
             <a:endParaRPr lang="en-US" dirty="0">
               <a:solidFill>
